--- a/课程PPT/32.ES6中的Class与修饰器.pptx
+++ b/课程PPT/32.ES6中的Class与修饰器.pptx
@@ -5,23 +5,23 @@
     <p:sldMasterId id="2147483648" r:id="rId1"/>
   </p:sldMasterIdLst>
   <p:notesMasterIdLst>
-    <p:notesMasterId r:id="rId16"/>
+    <p:notesMasterId r:id="rId6"/>
   </p:notesMasterIdLst>
   <p:sldIdLst>
-    <p:sldId id="1250" r:id="rId2"/>
-    <p:sldId id="1253" r:id="rId3"/>
-    <p:sldId id="1254" r:id="rId4"/>
-    <p:sldId id="1255" r:id="rId5"/>
-    <p:sldId id="1257" r:id="rId6"/>
-    <p:sldId id="1259" r:id="rId7"/>
-    <p:sldId id="1256" r:id="rId8"/>
-    <p:sldId id="1262" r:id="rId9"/>
-    <p:sldId id="1263" r:id="rId10"/>
-    <p:sldId id="1261" r:id="rId11"/>
-    <p:sldId id="1258" r:id="rId12"/>
-    <p:sldId id="1268" r:id="rId13"/>
-    <p:sldId id="1269" r:id="rId14"/>
-    <p:sldId id="1104" r:id="rId15"/>
+    <p:sldId id="1250" r:id="rId3"/>
+    <p:sldId id="1253" r:id="rId4"/>
+    <p:sldId id="1254" r:id="rId5"/>
+    <p:sldId id="1255" r:id="rId7"/>
+    <p:sldId id="1257" r:id="rId8"/>
+    <p:sldId id="1259" r:id="rId9"/>
+    <p:sldId id="1256" r:id="rId10"/>
+    <p:sldId id="1262" r:id="rId11"/>
+    <p:sldId id="1263" r:id="rId12"/>
+    <p:sldId id="1261" r:id="rId13"/>
+    <p:sldId id="1258" r:id="rId14"/>
+    <p:sldId id="1268" r:id="rId15"/>
+    <p:sldId id="1269" r:id="rId16"/>
+    <p:sldId id="1104" r:id="rId17"/>
   </p:sldIdLst>
   <p:sldSz cx="12192000" cy="6858000"/>
   <p:notesSz cx="6797675" cy="9928225"/>
@@ -340,6 +340,7 @@
               <a:rPr lang="zh-CN" altLang="zh-CN" noProof="0" smtClean="0"/>
               <a:t>                                                   </a:t>
             </a:r>
+            <a:endParaRPr lang="zh-CN" altLang="zh-CN" noProof="0" smtClean="0"/>
           </a:p>
           <a:p>
             <a:pPr lvl="1"/>
@@ -347,6 +348,7 @@
               <a:rPr lang="zh-CN" altLang="zh-CN" noProof="0" smtClean="0"/>
               <a:t>               </a:t>
             </a:r>
+            <a:endParaRPr lang="zh-CN" altLang="zh-CN" noProof="0" smtClean="0"/>
           </a:p>
           <a:p>
             <a:pPr lvl="2"/>
@@ -354,6 +356,7 @@
               <a:rPr lang="zh-CN" altLang="zh-CN" noProof="0" smtClean="0"/>
               <a:t>                </a:t>
             </a:r>
+            <a:endParaRPr lang="zh-CN" altLang="zh-CN" noProof="0" smtClean="0"/>
           </a:p>
           <a:p>
             <a:pPr lvl="3"/>
@@ -361,6 +364,7 @@
               <a:rPr lang="zh-CN" altLang="zh-CN" noProof="0" smtClean="0"/>
               <a:t>                </a:t>
             </a:r>
+            <a:endParaRPr lang="zh-CN" altLang="zh-CN" noProof="0" smtClean="0"/>
           </a:p>
           <a:p>
             <a:pPr lvl="4"/>
@@ -368,6 +372,7 @@
               <a:rPr lang="zh-CN" altLang="zh-CN" noProof="0" smtClean="0"/>
               <a:t>                </a:t>
             </a:r>
+            <a:endParaRPr lang="zh-CN" altLang="zh-CN" noProof="0" smtClean="0"/>
           </a:p>
         </p:txBody>
       </p:sp>
@@ -450,18 +455,12 @@
           <a:p>
             <a:fld id="{D9AFD278-84AA-4CAA-9049-809825956FE0}" type="slidenum">
               <a:rPr lang="en-US" altLang="zh-CN"/>
-              <a:t>‹#›</a:t>
             </a:fld>
             <a:endParaRPr lang="zh-CN" altLang="zh-CN"/>
           </a:p>
         </p:txBody>
       </p:sp>
     </p:spTree>
-    <p:extLst>
-      <p:ext uri="{BB962C8B-B14F-4D97-AF65-F5344CB8AC3E}">
-        <p14:creationId xmlns:p14="http://schemas.microsoft.com/office/powerpoint/2010/main" val="3206804535"/>
-      </p:ext>
-    </p:extLst>
   </p:cSld>
   <p:clrMap bg1="lt1" tx1="dk1" bg2="lt2" tx2="dk2" accent1="accent1" accent2="accent2" accent3="accent3" accent4="accent4" accent5="accent5" accent6="accent6" hlink="hlink" folHlink="folHlink"/>
   <p:notesStyle>
@@ -654,7 +653,6 @@
           <a:p>
             <a:fld id="{D9AFD278-84AA-4CAA-9049-809825956FE0}" type="slidenum">
               <a:rPr lang="en-US" altLang="zh-CN" smtClean="0"/>
-              <a:t>3</a:t>
             </a:fld>
             <a:endParaRPr lang="zh-CN" altLang="zh-CN"/>
           </a:p>
@@ -732,6 +730,7 @@
               <a:rPr lang="zh-CN" altLang="en-US" dirty="0"/>
               <a:t>）实例，增加逻辑判断</a:t>
             </a:r>
+            <a:endParaRPr lang="zh-CN" altLang="en-US" dirty="0"/>
           </a:p>
         </p:txBody>
       </p:sp>
@@ -752,7 +751,6 @@
           <a:p>
             <a:fld id="{D9AFD278-84AA-4CAA-9049-809825956FE0}" type="slidenum">
               <a:rPr lang="en-US" altLang="zh-CN" smtClean="0"/>
-              <a:t>4</a:t>
             </a:fld>
             <a:endParaRPr lang="zh-CN" altLang="zh-CN"/>
           </a:p>
@@ -831,7 +829,6 @@
           <a:p>
             <a:fld id="{D9AFD278-84AA-4CAA-9049-809825956FE0}" type="slidenum">
               <a:rPr lang="en-US" altLang="zh-CN" smtClean="0"/>
-              <a:t>5</a:t>
             </a:fld>
             <a:endParaRPr lang="zh-CN" altLang="zh-CN"/>
           </a:p>
@@ -909,6 +906,7 @@
               <a:rPr lang="zh-CN" altLang="en-US" dirty="0"/>
               <a:t>）实例，增加逻辑判断</a:t>
             </a:r>
+            <a:endParaRPr lang="zh-CN" altLang="en-US" dirty="0"/>
           </a:p>
         </p:txBody>
       </p:sp>
@@ -929,7 +927,6 @@
           <a:p>
             <a:fld id="{D9AFD278-84AA-4CAA-9049-809825956FE0}" type="slidenum">
               <a:rPr lang="en-US" altLang="zh-CN" smtClean="0"/>
-              <a:t>6</a:t>
             </a:fld>
             <a:endParaRPr lang="zh-CN" altLang="zh-CN"/>
           </a:p>
@@ -1007,6 +1004,7 @@
               <a:rPr lang="zh-CN" altLang="en-US" dirty="0"/>
               <a:t>）实例，增加逻辑判断</a:t>
             </a:r>
+            <a:endParaRPr lang="zh-CN" altLang="en-US" dirty="0"/>
           </a:p>
         </p:txBody>
       </p:sp>
@@ -1027,7 +1025,6 @@
           <a:p>
             <a:fld id="{D9AFD278-84AA-4CAA-9049-809825956FE0}" type="slidenum">
               <a:rPr lang="en-US" altLang="zh-CN" smtClean="0"/>
-              <a:t>8</a:t>
             </a:fld>
             <a:endParaRPr lang="zh-CN" altLang="zh-CN"/>
           </a:p>
@@ -1105,6 +1102,7 @@
               <a:rPr lang="zh-CN" altLang="en-US" dirty="0"/>
               <a:t>）实例，增加逻辑判断</a:t>
             </a:r>
+            <a:endParaRPr lang="zh-CN" altLang="en-US" dirty="0"/>
           </a:p>
         </p:txBody>
       </p:sp>
@@ -1125,7 +1123,6 @@
           <a:p>
             <a:fld id="{D9AFD278-84AA-4CAA-9049-809825956FE0}" type="slidenum">
               <a:rPr lang="en-US" altLang="zh-CN" smtClean="0"/>
-              <a:t>9</a:t>
             </a:fld>
             <a:endParaRPr lang="zh-CN" altLang="zh-CN"/>
           </a:p>
@@ -1203,6 +1200,7 @@
               <a:rPr lang="zh-CN" altLang="en-US" dirty="0"/>
               <a:t>）实例，增加逻辑判断</a:t>
             </a:r>
+            <a:endParaRPr lang="zh-CN" altLang="en-US" dirty="0"/>
           </a:p>
         </p:txBody>
       </p:sp>
@@ -1223,7 +1221,6 @@
           <a:p>
             <a:fld id="{D9AFD278-84AA-4CAA-9049-809825956FE0}" type="slidenum">
               <a:rPr lang="en-US" altLang="zh-CN" smtClean="0"/>
-              <a:t>11</a:t>
             </a:fld>
             <a:endParaRPr lang="zh-CN" altLang="zh-CN"/>
           </a:p>
@@ -1301,6 +1298,7 @@
               <a:rPr lang="zh-CN" altLang="en-US" dirty="0"/>
               <a:t>）实例，增加逻辑判断</a:t>
             </a:r>
+            <a:endParaRPr lang="zh-CN" altLang="en-US" dirty="0"/>
           </a:p>
         </p:txBody>
       </p:sp>
@@ -1321,7 +1319,6 @@
           <a:p>
             <a:fld id="{D9AFD278-84AA-4CAA-9049-809825956FE0}" type="slidenum">
               <a:rPr lang="en-US" altLang="zh-CN" smtClean="0"/>
-              <a:t>12</a:t>
             </a:fld>
             <a:endParaRPr lang="zh-CN" altLang="zh-CN"/>
           </a:p>
@@ -1399,6 +1396,7 @@
               <a:rPr lang="zh-CN" altLang="en-US" dirty="0"/>
               <a:t>）实例，增加逻辑判断</a:t>
             </a:r>
+            <a:endParaRPr lang="zh-CN" altLang="en-US" dirty="0"/>
           </a:p>
         </p:txBody>
       </p:sp>
@@ -1419,7 +1417,6 @@
           <a:p>
             <a:fld id="{D9AFD278-84AA-4CAA-9049-809825956FE0}" type="slidenum">
               <a:rPr lang="en-US" altLang="zh-CN" smtClean="0"/>
-              <a:t>13</a:t>
             </a:fld>
             <a:endParaRPr lang="zh-CN" altLang="zh-CN"/>
           </a:p>
@@ -1503,6 +1500,7 @@
               <a:rPr lang="zh-CN" altLang="en-US" dirty="0" smtClean="0"/>
               <a:t>单击此处编辑母版文本样式</a:t>
             </a:r>
+            <a:endParaRPr lang="zh-CN" altLang="en-US" dirty="0" smtClean="0"/>
           </a:p>
           <a:p>
             <a:pPr lvl="1"/>
@@ -1510,6 +1508,7 @@
               <a:rPr lang="zh-CN" altLang="en-US" dirty="0" smtClean="0"/>
               <a:t>第二级</a:t>
             </a:r>
+            <a:endParaRPr lang="zh-CN" altLang="en-US" dirty="0" smtClean="0"/>
           </a:p>
           <a:p>
             <a:pPr lvl="2"/>
@@ -1517,6 +1516,7 @@
               <a:rPr lang="zh-CN" altLang="en-US" dirty="0" smtClean="0"/>
               <a:t>第三级</a:t>
             </a:r>
+            <a:endParaRPr lang="zh-CN" altLang="en-US" dirty="0" smtClean="0"/>
           </a:p>
           <a:p>
             <a:pPr lvl="3"/>
@@ -1524,6 +1524,7 @@
               <a:rPr lang="zh-CN" altLang="en-US" dirty="0" smtClean="0"/>
               <a:t>第四级</a:t>
             </a:r>
+            <a:endParaRPr lang="zh-CN" altLang="en-US" dirty="0" smtClean="0"/>
           </a:p>
         </p:txBody>
       </p:sp>
@@ -1585,6 +1586,7 @@
               <a:rPr lang="zh-CN" altLang="en-US" dirty="0" smtClean="0"/>
               <a:t>单击此处编辑母版文本样式</a:t>
             </a:r>
+            <a:endParaRPr lang="zh-CN" altLang="en-US" dirty="0" smtClean="0"/>
           </a:p>
         </p:txBody>
       </p:sp>
@@ -1641,7 +1643,6 @@
           <a:p>
             <a:fld id="{2030C94F-1E7C-47E3-9C60-176A530B03BF}" type="slidenum">
               <a:rPr lang="en-US" altLang="zh-CN"/>
-              <a:t>‹#›</a:t>
             </a:fld>
             <a:endParaRPr lang="zh-CN" altLang="zh-CN" sz="3200" b="0"/>
           </a:p>
@@ -1732,6 +1733,7 @@
               <a:rPr lang="zh-CN" altLang="en-US" dirty="0" smtClean="0"/>
               <a:t>单击此处编辑母版文本样式</a:t>
             </a:r>
+            <a:endParaRPr lang="zh-CN" altLang="en-US" dirty="0" smtClean="0"/>
           </a:p>
           <a:p>
             <a:pPr lvl="1"/>
@@ -1739,6 +1741,7 @@
               <a:rPr lang="zh-CN" altLang="en-US" dirty="0" smtClean="0"/>
               <a:t>第二级</a:t>
             </a:r>
+            <a:endParaRPr lang="zh-CN" altLang="en-US" dirty="0" smtClean="0"/>
           </a:p>
           <a:p>
             <a:pPr lvl="2"/>
@@ -1746,6 +1749,7 @@
               <a:rPr lang="zh-CN" altLang="en-US" dirty="0" smtClean="0"/>
               <a:t>第三级</a:t>
             </a:r>
+            <a:endParaRPr lang="zh-CN" altLang="en-US" dirty="0" smtClean="0"/>
           </a:p>
           <a:p>
             <a:pPr lvl="3"/>
@@ -1753,6 +1757,7 @@
               <a:rPr lang="zh-CN" altLang="en-US" dirty="0" smtClean="0"/>
               <a:t>第四级</a:t>
             </a:r>
+            <a:endParaRPr lang="zh-CN" altLang="en-US" dirty="0" smtClean="0"/>
           </a:p>
         </p:txBody>
       </p:sp>
@@ -1810,6 +1815,7 @@
               <a:rPr lang="zh-CN" altLang="en-US" dirty="0" smtClean="0"/>
               <a:t>单击此处编辑母版文本样式</a:t>
             </a:r>
+            <a:endParaRPr lang="zh-CN" altLang="en-US" dirty="0" smtClean="0"/>
           </a:p>
         </p:txBody>
       </p:sp>
@@ -1891,6 +1897,7 @@
               <a:rPr lang="zh-CN" altLang="en-US" dirty="0" smtClean="0"/>
               <a:t>单击此处编辑母版文本样式</a:t>
             </a:r>
+            <a:endParaRPr lang="zh-CN" altLang="en-US" dirty="0" smtClean="0"/>
           </a:p>
           <a:p>
             <a:pPr lvl="1"/>
@@ -1898,6 +1905,7 @@
               <a:rPr lang="zh-CN" altLang="en-US" dirty="0" smtClean="0"/>
               <a:t>第二级</a:t>
             </a:r>
+            <a:endParaRPr lang="zh-CN" altLang="en-US" dirty="0" smtClean="0"/>
           </a:p>
           <a:p>
             <a:pPr lvl="2"/>
@@ -1905,6 +1913,7 @@
               <a:rPr lang="zh-CN" altLang="en-US" dirty="0" smtClean="0"/>
               <a:t>第三级</a:t>
             </a:r>
+            <a:endParaRPr lang="zh-CN" altLang="en-US" dirty="0" smtClean="0"/>
           </a:p>
           <a:p>
             <a:pPr lvl="3"/>
@@ -1912,6 +1921,7 @@
               <a:rPr lang="zh-CN" altLang="en-US" dirty="0" smtClean="0"/>
               <a:t>第四级</a:t>
             </a:r>
+            <a:endParaRPr lang="zh-CN" altLang="en-US" dirty="0" smtClean="0"/>
           </a:p>
         </p:txBody>
       </p:sp>
@@ -1969,6 +1979,7 @@
               <a:rPr lang="zh-CN" altLang="en-US" dirty="0" smtClean="0"/>
               <a:t>单击此处编辑母版文本样式</a:t>
             </a:r>
+            <a:endParaRPr lang="zh-CN" altLang="en-US" dirty="0" smtClean="0"/>
           </a:p>
         </p:txBody>
       </p:sp>
@@ -2050,6 +2061,7 @@
               <a:rPr lang="zh-CN" altLang="en-US" dirty="0" smtClean="0"/>
               <a:t>单击此处编辑母版文本样式</a:t>
             </a:r>
+            <a:endParaRPr lang="zh-CN" altLang="en-US" dirty="0" smtClean="0"/>
           </a:p>
           <a:p>
             <a:pPr lvl="1"/>
@@ -2057,6 +2069,7 @@
               <a:rPr lang="zh-CN" altLang="en-US" dirty="0" smtClean="0"/>
               <a:t>第二级</a:t>
             </a:r>
+            <a:endParaRPr lang="zh-CN" altLang="en-US" dirty="0" smtClean="0"/>
           </a:p>
           <a:p>
             <a:pPr lvl="2"/>
@@ -2064,6 +2077,7 @@
               <a:rPr lang="zh-CN" altLang="en-US" dirty="0" smtClean="0"/>
               <a:t>第三级</a:t>
             </a:r>
+            <a:endParaRPr lang="zh-CN" altLang="en-US" dirty="0" smtClean="0"/>
           </a:p>
           <a:p>
             <a:pPr lvl="3"/>
@@ -2071,6 +2085,7 @@
               <a:rPr lang="zh-CN" altLang="en-US" dirty="0" smtClean="0"/>
               <a:t>第四级</a:t>
             </a:r>
+            <a:endParaRPr lang="zh-CN" altLang="en-US" dirty="0" smtClean="0"/>
           </a:p>
         </p:txBody>
       </p:sp>
@@ -2128,6 +2143,7 @@
               <a:rPr lang="zh-CN" altLang="en-US" dirty="0" smtClean="0"/>
               <a:t>单击此处编辑母版文本样式</a:t>
             </a:r>
+            <a:endParaRPr lang="zh-CN" altLang="en-US" dirty="0" smtClean="0"/>
           </a:p>
         </p:txBody>
       </p:sp>
@@ -2209,6 +2225,7 @@
               <a:rPr lang="zh-CN" altLang="en-US" dirty="0" smtClean="0"/>
               <a:t>单击此处编辑母版文本样式</a:t>
             </a:r>
+            <a:endParaRPr lang="zh-CN" altLang="en-US" dirty="0" smtClean="0"/>
           </a:p>
           <a:p>
             <a:pPr lvl="1"/>
@@ -2216,6 +2233,7 @@
               <a:rPr lang="zh-CN" altLang="en-US" dirty="0" smtClean="0"/>
               <a:t>第二级</a:t>
             </a:r>
+            <a:endParaRPr lang="zh-CN" altLang="en-US" dirty="0" smtClean="0"/>
           </a:p>
           <a:p>
             <a:pPr lvl="2"/>
@@ -2223,6 +2241,7 @@
               <a:rPr lang="zh-CN" altLang="en-US" dirty="0" smtClean="0"/>
               <a:t>第三级</a:t>
             </a:r>
+            <a:endParaRPr lang="zh-CN" altLang="en-US" dirty="0" smtClean="0"/>
           </a:p>
           <a:p>
             <a:pPr lvl="3"/>
@@ -2230,6 +2249,7 @@
               <a:rPr lang="zh-CN" altLang="en-US" dirty="0" smtClean="0"/>
               <a:t>第四级</a:t>
             </a:r>
+            <a:endParaRPr lang="zh-CN" altLang="en-US" dirty="0" smtClean="0"/>
           </a:p>
         </p:txBody>
       </p:sp>
@@ -2287,6 +2307,7 @@
               <a:rPr lang="zh-CN" altLang="en-US" dirty="0" smtClean="0"/>
               <a:t>单击此处编辑母版文本样式</a:t>
             </a:r>
+            <a:endParaRPr lang="zh-CN" altLang="en-US" dirty="0" smtClean="0"/>
           </a:p>
         </p:txBody>
       </p:sp>
@@ -2368,6 +2389,7 @@
               <a:rPr lang="zh-CN" altLang="en-US" dirty="0" smtClean="0"/>
               <a:t>单击此处编辑母版文本样式</a:t>
             </a:r>
+            <a:endParaRPr lang="zh-CN" altLang="en-US" dirty="0" smtClean="0"/>
           </a:p>
           <a:p>
             <a:pPr lvl="1"/>
@@ -2375,6 +2397,7 @@
               <a:rPr lang="zh-CN" altLang="en-US" dirty="0" smtClean="0"/>
               <a:t>第二级</a:t>
             </a:r>
+            <a:endParaRPr lang="zh-CN" altLang="en-US" dirty="0" smtClean="0"/>
           </a:p>
           <a:p>
             <a:pPr lvl="2"/>
@@ -2382,6 +2405,7 @@
               <a:rPr lang="zh-CN" altLang="en-US" dirty="0" smtClean="0"/>
               <a:t>第三级</a:t>
             </a:r>
+            <a:endParaRPr lang="zh-CN" altLang="en-US" dirty="0" smtClean="0"/>
           </a:p>
           <a:p>
             <a:pPr lvl="3"/>
@@ -2389,6 +2413,7 @@
               <a:rPr lang="zh-CN" altLang="en-US" dirty="0" smtClean="0"/>
               <a:t>第四级</a:t>
             </a:r>
+            <a:endParaRPr lang="zh-CN" altLang="en-US" dirty="0" smtClean="0"/>
           </a:p>
         </p:txBody>
       </p:sp>
@@ -2446,6 +2471,7 @@
               <a:rPr lang="zh-CN" altLang="en-US" dirty="0" smtClean="0"/>
               <a:t>单击此处编辑母版文本样式</a:t>
             </a:r>
+            <a:endParaRPr lang="zh-CN" altLang="en-US" dirty="0" smtClean="0"/>
           </a:p>
         </p:txBody>
       </p:sp>
@@ -2527,6 +2553,7 @@
               <a:rPr lang="zh-CN" altLang="en-US" dirty="0" smtClean="0"/>
               <a:t>单击此处编辑母版文本样式</a:t>
             </a:r>
+            <a:endParaRPr lang="zh-CN" altLang="en-US" dirty="0" smtClean="0"/>
           </a:p>
           <a:p>
             <a:pPr lvl="1"/>
@@ -2534,6 +2561,7 @@
               <a:rPr lang="zh-CN" altLang="en-US" dirty="0" smtClean="0"/>
               <a:t>第二级</a:t>
             </a:r>
+            <a:endParaRPr lang="zh-CN" altLang="en-US" dirty="0" smtClean="0"/>
           </a:p>
           <a:p>
             <a:pPr lvl="2"/>
@@ -2541,6 +2569,7 @@
               <a:rPr lang="zh-CN" altLang="en-US" dirty="0" smtClean="0"/>
               <a:t>第三级</a:t>
             </a:r>
+            <a:endParaRPr lang="zh-CN" altLang="en-US" dirty="0" smtClean="0"/>
           </a:p>
           <a:p>
             <a:pPr lvl="3"/>
@@ -2548,6 +2577,7 @@
               <a:rPr lang="zh-CN" altLang="en-US" dirty="0" smtClean="0"/>
               <a:t>第四级</a:t>
             </a:r>
+            <a:endParaRPr lang="zh-CN" altLang="en-US" dirty="0" smtClean="0"/>
           </a:p>
         </p:txBody>
       </p:sp>
@@ -2605,6 +2635,7 @@
               <a:rPr lang="zh-CN" altLang="en-US" dirty="0" smtClean="0"/>
               <a:t>单击此处编辑母版文本样式</a:t>
             </a:r>
+            <a:endParaRPr lang="zh-CN" altLang="en-US" dirty="0" smtClean="0"/>
           </a:p>
         </p:txBody>
       </p:sp>
@@ -2698,6 +2729,7 @@
               <a:rPr lang="zh-CN" altLang="en-US" dirty="0" smtClean="0"/>
               <a:t>单击此处编辑母版文本样式</a:t>
             </a:r>
+            <a:endParaRPr lang="zh-CN" altLang="en-US" dirty="0" smtClean="0"/>
           </a:p>
           <a:p>
             <a:pPr lvl="1"/>
@@ -2705,6 +2737,7 @@
               <a:rPr lang="zh-CN" altLang="en-US" dirty="0" smtClean="0"/>
               <a:t>第二级</a:t>
             </a:r>
+            <a:endParaRPr lang="zh-CN" altLang="en-US" dirty="0" smtClean="0"/>
           </a:p>
           <a:p>
             <a:pPr lvl="2"/>
@@ -2712,6 +2745,7 @@
               <a:rPr lang="zh-CN" altLang="en-US" dirty="0" smtClean="0"/>
               <a:t>第三级</a:t>
             </a:r>
+            <a:endParaRPr lang="zh-CN" altLang="en-US" dirty="0" smtClean="0"/>
           </a:p>
           <a:p>
             <a:pPr lvl="3"/>
@@ -2719,6 +2753,7 @@
               <a:rPr lang="zh-CN" altLang="en-US" dirty="0" smtClean="0"/>
               <a:t>第四级</a:t>
             </a:r>
+            <a:endParaRPr lang="zh-CN" altLang="en-US" dirty="0" smtClean="0"/>
           </a:p>
         </p:txBody>
       </p:sp>
@@ -2780,6 +2815,7 @@
               <a:rPr lang="zh-CN" altLang="en-US" dirty="0" smtClean="0"/>
               <a:t>单击此处编辑母版文本样式</a:t>
             </a:r>
+            <a:endParaRPr lang="zh-CN" altLang="en-US" dirty="0" smtClean="0"/>
           </a:p>
         </p:txBody>
       </p:sp>
@@ -2804,7 +2840,7 @@
     <p:bg bwMode="auto">
       <p:bgPr>
         <a:blipFill dpi="0" rotWithShape="0">
-          <a:blip r:embed="rId11"/>
+          <a:blip r:embed="rId10"/>
           <a:srcRect/>
           <a:stretch>
             <a:fillRect/>
@@ -2863,7 +2899,6 @@
           <a:p>
             <a:fld id="{43A45880-9E2A-43E4-955C-AEB11E14255E}" type="slidenum">
               <a:rPr lang="en-US" altLang="zh-CN"/>
-              <a:t>‹#›</a:t>
             </a:fld>
             <a:endParaRPr lang="zh-CN" altLang="zh-CN"/>
           </a:p>
@@ -2878,7 +2913,7 @@
           <p:nvPr/>
         </p:nvPicPr>
         <p:blipFill>
-          <a:blip r:embed="rId12">
+          <a:blip r:embed="rId11">
             <a:extLst>
               <a:ext uri="{28A0092B-C50C-407E-A947-70E740481C1C}">
                 <a14:useLocalDpi xmlns:a14="http://schemas.microsoft.com/office/drawing/2010/main" val="0"/>
@@ -2932,7 +2967,7 @@
           <p:nvPr/>
         </p:nvPicPr>
         <p:blipFill>
-          <a:blip r:embed="rId13">
+          <a:blip r:embed="rId12">
             <a:extLst>
               <a:ext uri="{28A0092B-C50C-407E-A947-70E740481C1C}">
                 <a14:useLocalDpi xmlns:a14="http://schemas.microsoft.com/office/drawing/2010/main" val="0"/>
@@ -3445,7 +3480,7 @@
           <p:nvPr/>
         </p:nvPicPr>
         <p:blipFill>
-          <a:blip r:embed="rId2">
+          <a:blip r:embed="rId1">
             <a:extLst>
               <a:ext uri="{28A0092B-C50C-407E-A947-70E740481C1C}">
                 <a14:useLocalDpi xmlns:a14="http://schemas.microsoft.com/office/drawing/2010/main" val="0"/>
@@ -3573,7 +3608,7 @@
           <p:nvPr/>
         </p:nvPicPr>
         <p:blipFill>
-          <a:blip r:embed="rId3">
+          <a:blip r:embed="rId2">
             <a:extLst>
               <a:ext uri="{28A0092B-C50C-407E-A947-70E740481C1C}">
                 <a14:useLocalDpi xmlns:a14="http://schemas.microsoft.com/office/drawing/2010/main" val="0"/>
@@ -3996,6 +4031,11 @@
               </a:rPr>
               <a:t>基本语法</a:t>
             </a:r>
+            <a:endParaRPr lang="zh-CN" altLang="en-US" sz="2800" b="1">
+              <a:solidFill>
+                <a:schemeClr val="tx1"/>
+              </a:solidFill>
+            </a:endParaRPr>
           </a:p>
           <a:p>
             <a:pPr algn="l">
@@ -4030,6 +4070,11 @@
               </a:rPr>
               <a:t>静态方法、静态属性</a:t>
             </a:r>
+            <a:endParaRPr lang="zh-CN" altLang="en-US" sz="2800" b="1">
+              <a:solidFill>
+                <a:schemeClr val="tx1"/>
+              </a:solidFill>
+            </a:endParaRPr>
           </a:p>
           <a:p>
             <a:pPr algn="l">
@@ -4477,6 +4522,9 @@
               </a:rPr>
               <a:t>的继承</a:t>
             </a:r>
+            <a:endParaRPr kumimoji="0" lang="zh-CN" altLang="en-US" dirty="0">
+              <a:sym typeface="+mn-ea"/>
+            </a:endParaRPr>
           </a:p>
         </p:txBody>
       </p:sp>
@@ -4523,6 +4571,13 @@
               </a:rPr>
               <a:t>demo06</a:t>
             </a:r>
+            <a:endParaRPr lang="en-US" altLang="zh-CN" sz="2200">
+              <a:solidFill>
+                <a:srgbClr val="FF0000"/>
+              </a:solidFill>
+              <a:latin typeface="+mn-ea"/>
+              <a:ea typeface="+mn-ea"/>
+            </a:endParaRPr>
           </a:p>
           <a:p>
             <a:pPr algn="l"/>
@@ -4546,6 +4601,13 @@
               </a:rPr>
               <a:t>与继承</a:t>
             </a:r>
+            <a:endParaRPr lang="zh-CN" altLang="en-US" sz="2200">
+              <a:solidFill>
+                <a:srgbClr val="FF0000"/>
+              </a:solidFill>
+              <a:latin typeface="+mn-ea"/>
+              <a:ea typeface="+mn-ea"/>
+            </a:endParaRPr>
           </a:p>
         </p:txBody>
       </p:sp>
@@ -4558,7 +4620,7 @@
           <p:nvPr/>
         </p:nvPicPr>
         <p:blipFill>
-          <a:blip r:embed="rId3"/>
+          <a:blip r:embed="rId1"/>
           <a:stretch>
             <a:fillRect/>
           </a:stretch>
@@ -4623,6 +4685,9 @@
               </a:rPr>
               <a:t>，比 ES5 的通过修改原型链实现继承，要清晰和方便</a:t>
             </a:r>
+            <a:endParaRPr lang="zh-CN" sz="2200" dirty="0" smtClean="0">
+              <a:sym typeface="+mn-ea"/>
+            </a:endParaRPr>
           </a:p>
           <a:p>
             <a:pPr algn="l"/>
@@ -4666,7 +4731,7 @@
               </a:rPr>
               <a:t>与 </a:t>
             </a:r>
-            <a:r>
+            <a:br>
               <a:rPr lang="zh-CN" altLang="en-US" sz="2200">
                 <a:solidFill>
                   <a:schemeClr val="accent3"/>
@@ -4674,27 +4739,24 @@
                 <a:latin typeface="+mn-ea"/>
                 <a:ea typeface="+mn-ea"/>
               </a:rPr>
-              <a:t/>
-            </a:r>
-            <a:br>
-              <a:rPr lang="zh-CN" altLang="en-US" sz="2200">
+            </a:br>
+            <a:r>
+              <a:rPr lang="en-US" altLang="zh-CN" sz="2200">
                 <a:solidFill>
                   <a:schemeClr val="accent3"/>
                 </a:solidFill>
                 <a:latin typeface="+mn-ea"/>
                 <a:ea typeface="+mn-ea"/>
               </a:rPr>
-            </a:br>
-            <a:r>
-              <a:rPr lang="en-US" altLang="zh-CN" sz="2200">
-                <a:solidFill>
-                  <a:schemeClr val="accent3"/>
-                </a:solidFill>
-                <a:latin typeface="+mn-ea"/>
-                <a:ea typeface="+mn-ea"/>
-              </a:rPr>
               <a:t>super</a:t>
             </a:r>
+            <a:endParaRPr lang="en-US" altLang="zh-CN" sz="2200">
+              <a:solidFill>
+                <a:schemeClr val="accent3"/>
+              </a:solidFill>
+              <a:latin typeface="+mn-ea"/>
+              <a:ea typeface="+mn-ea"/>
+            </a:endParaRPr>
           </a:p>
         </p:txBody>
       </p:sp>
@@ -5255,14 +5317,6 @@
               </a:rPr>
               <a:t>super( )，代表调用父类的构造函数</a:t>
             </a:r>
-            <a:r>
-              <a:rPr kumimoji="0" lang="zh-CN" altLang="en-US" sz="2000" dirty="0" smtClean="0">
-                <a:solidFill>
-                  <a:schemeClr val="tx1"/>
-                </a:solidFill>
-              </a:rPr>
-              <a:t/>
-            </a:r>
             <a:br>
               <a:rPr kumimoji="0" lang="zh-CN" altLang="en-US" sz="2000" dirty="0" smtClean="0">
                 <a:solidFill>
@@ -5286,6 +5340,11 @@
               </a:rPr>
               <a:t>当做对象时，在普通方法中，指向父类的原型对象；在静态方法中，指向父类</a:t>
             </a:r>
+            <a:endParaRPr kumimoji="0" lang="zh-CN" altLang="en-US" sz="2000" dirty="0" smtClean="0">
+              <a:solidFill>
+                <a:schemeClr val="tx1"/>
+              </a:solidFill>
+            </a:endParaRPr>
           </a:p>
           <a:p>
             <a:pPr eaLnBrk="1" hangingPunct="1">
@@ -5345,6 +5404,9 @@
               </a:rPr>
               <a:t>的继承</a:t>
             </a:r>
+            <a:endParaRPr kumimoji="0" lang="zh-CN" altLang="en-US" dirty="0">
+              <a:sym typeface="+mn-ea"/>
+            </a:endParaRPr>
           </a:p>
         </p:txBody>
       </p:sp>
@@ -5430,7 +5492,7 @@
           <p:nvPr/>
         </p:nvPicPr>
         <p:blipFill>
-          <a:blip r:embed="rId3"/>
+          <a:blip r:embed="rId1"/>
           <a:stretch>
             <a:fillRect/>
           </a:stretch>
@@ -5788,7 +5850,7 @@
           <p:nvPr/>
         </p:nvPicPr>
         <p:blipFill>
-          <a:blip r:embed="rId3"/>
+          <a:blip r:embed="rId1"/>
           <a:stretch>
             <a:fillRect/>
           </a:stretch>
@@ -5998,6 +6060,11 @@
               </a:rPr>
               <a:t>指向父类</a:t>
             </a:r>
+            <a:endParaRPr kumimoji="0" lang="zh-CN" altLang="en-US" sz="2000" dirty="0" smtClean="0">
+              <a:solidFill>
+                <a:schemeClr val="accent3"/>
+              </a:solidFill>
+            </a:endParaRPr>
           </a:p>
           <a:p>
             <a:pPr eaLnBrk="1" hangingPunct="1">
@@ -6057,6 +6124,9 @@
               </a:rPr>
               <a:t>的继承</a:t>
             </a:r>
+            <a:endParaRPr kumimoji="0" lang="zh-CN" altLang="en-US" dirty="0">
+              <a:sym typeface="+mn-ea"/>
+            </a:endParaRPr>
           </a:p>
         </p:txBody>
       </p:sp>
@@ -6480,7 +6550,7 @@
           <p:nvPr/>
         </p:nvPicPr>
         <p:blipFill>
-          <a:blip r:embed="rId2">
+          <a:blip r:embed="rId1">
             <a:extLst>
               <a:ext uri="{28A0092B-C50C-407E-A947-70E740481C1C}">
                 <a14:useLocalDpi xmlns:a14="http://schemas.microsoft.com/office/drawing/2010/main" val="0"/>
@@ -6598,7 +6668,7 @@
           <p:nvPr/>
         </p:nvPicPr>
         <p:blipFill>
-          <a:blip r:embed="rId3">
+          <a:blip r:embed="rId2">
             <a:extLst>
               <a:ext uri="{28A0092B-C50C-407E-A947-70E740481C1C}">
                 <a14:useLocalDpi xmlns:a14="http://schemas.microsoft.com/office/drawing/2010/main" val="0"/>
@@ -6853,6 +6923,11 @@
               </a:rPr>
               <a:t>基本语法</a:t>
             </a:r>
+            <a:endParaRPr lang="zh-CN" altLang="en-US" sz="2800" b="1">
+              <a:solidFill>
+                <a:srgbClr val="FF0000"/>
+              </a:solidFill>
+            </a:endParaRPr>
           </a:p>
           <a:p>
             <a:pPr algn="l">
@@ -6889,6 +6964,12 @@
               </a:rPr>
               <a:t>静态方法、静态属性</a:t>
             </a:r>
+            <a:endParaRPr lang="zh-CN" altLang="en-US" sz="2800" b="1">
+              <a:solidFill>
+                <a:schemeClr val="tx1"/>
+              </a:solidFill>
+              <a:sym typeface="+mn-ea"/>
+            </a:endParaRPr>
           </a:p>
           <a:p>
             <a:pPr algn="l">
@@ -7352,6 +7433,9 @@
               </a:rPr>
               <a:t>语法</a:t>
             </a:r>
+            <a:endParaRPr kumimoji="0" lang="zh-CN" altLang="en-US" dirty="0">
+              <a:sym typeface="+mn-ea"/>
+            </a:endParaRPr>
           </a:p>
         </p:txBody>
       </p:sp>
@@ -7364,7 +7448,7 @@
           <p:nvPr/>
         </p:nvPicPr>
         <p:blipFill>
-          <a:blip r:embed="rId3"/>
+          <a:blip r:embed="rId1"/>
           <a:stretch>
             <a:fillRect/>
           </a:stretch>
@@ -7470,6 +7554,13 @@
               </a:rPr>
               <a:t>是什么？</a:t>
             </a:r>
+            <a:endParaRPr lang="zh-CN" altLang="en-US" sz="2200">
+              <a:solidFill>
+                <a:srgbClr val="FF0000"/>
+              </a:solidFill>
+              <a:latin typeface="+mn-ea"/>
+              <a:ea typeface="+mn-ea"/>
+            </a:endParaRPr>
           </a:p>
           <a:p>
             <a:pPr algn="l"/>
@@ -7522,6 +7613,13 @@
               </a:rPr>
               <a:t>是什么？</a:t>
             </a:r>
+            <a:endParaRPr lang="zh-CN" altLang="en-US" sz="2200">
+              <a:solidFill>
+                <a:srgbClr val="FF0000"/>
+              </a:solidFill>
+              <a:latin typeface="+mn-ea"/>
+              <a:ea typeface="+mn-ea"/>
+            </a:endParaRPr>
           </a:p>
           <a:p>
             <a:pPr algn="l"/>
@@ -7545,6 +7643,13 @@
               </a:rPr>
               <a:t>是什么？</a:t>
             </a:r>
+            <a:endParaRPr lang="zh-CN" altLang="en-US" sz="2200">
+              <a:solidFill>
+                <a:srgbClr val="FF0000"/>
+              </a:solidFill>
+              <a:latin typeface="+mn-ea"/>
+              <a:ea typeface="+mn-ea"/>
+            </a:endParaRPr>
           </a:p>
           <a:p>
             <a:pPr algn="l"/>
@@ -7558,6 +7663,13 @@
               </a:rPr>
               <a:t>如何添加私有属性？</a:t>
             </a:r>
+            <a:endParaRPr lang="zh-CN" altLang="en-US" sz="2200">
+              <a:solidFill>
+                <a:srgbClr val="FF0000"/>
+              </a:solidFill>
+              <a:latin typeface="+mn-ea"/>
+              <a:ea typeface="+mn-ea"/>
+            </a:endParaRPr>
           </a:p>
           <a:p>
             <a:pPr algn="l"/>
@@ -7571,6 +7683,65 @@
               </a:rPr>
               <a:t>访问私有属性的方法是否可以定义在原型上？</a:t>
             </a:r>
+            <a:endParaRPr lang="zh-CN" altLang="en-US" sz="2200">
+              <a:solidFill>
+                <a:srgbClr val="FF0000"/>
+              </a:solidFill>
+              <a:latin typeface="+mn-ea"/>
+              <a:ea typeface="+mn-ea"/>
+            </a:endParaRPr>
+          </a:p>
+        </p:txBody>
+      </p:sp>
+      <p:sp>
+        <p:nvSpPr>
+          <p:cNvPr id="4" name="文本框 3"/>
+          <p:cNvSpPr txBox="1"/>
+          <p:nvPr/>
+        </p:nvSpPr>
+        <p:spPr>
+          <a:xfrm>
+            <a:off x="5605145" y="6137275"/>
+            <a:ext cx="5972175" cy="429895"/>
+          </a:xfrm>
+          <a:prstGeom prst="rect">
+            <a:avLst/>
+          </a:prstGeom>
+          <a:noFill/>
+        </p:spPr>
+        <p:txBody>
+          <a:bodyPr wrap="square" rtlCol="0">
+            <a:spAutoFit/>
+          </a:bodyPr>
+          <a:p>
+            <a:pPr algn="l"/>
+            <a:r>
+              <a:rPr lang="zh-CN" altLang="en-US" sz="2200">
+                <a:solidFill>
+                  <a:srgbClr val="FF0000"/>
+                </a:solidFill>
+                <a:latin typeface="+mn-ea"/>
+                <a:ea typeface="+mn-ea"/>
+              </a:rPr>
+              <a:t>参见实例</a:t>
+            </a:r>
+            <a:r>
+              <a:rPr lang="en-US" altLang="zh-CN" sz="2200">
+                <a:solidFill>
+                  <a:srgbClr val="FF0000"/>
+                </a:solidFill>
+                <a:latin typeface="+mn-ea"/>
+                <a:ea typeface="+mn-ea"/>
+              </a:rPr>
+              <a:t>demo01 Part1</a:t>
+            </a:r>
+            <a:endParaRPr lang="zh-CN" altLang="en-US" sz="2200">
+              <a:solidFill>
+                <a:srgbClr val="FF0000"/>
+              </a:solidFill>
+              <a:latin typeface="+mn-ea"/>
+              <a:ea typeface="+mn-ea"/>
+            </a:endParaRPr>
           </a:p>
         </p:txBody>
       </p:sp>
@@ -7860,6 +8031,88 @@
                             </p:childTnLst>
                           </p:cTn>
                         </p:par>
+                        <p:par>
+                          <p:cTn id="20" fill="hold">
+                            <p:stCondLst>
+                              <p:cond delay="1000"/>
+                            </p:stCondLst>
+                            <p:childTnLst>
+                              <p:par>
+                                <p:cTn id="21" presetID="2" presetClass="entr" presetSubtype="4" fill="hold" grpId="0" nodeType="afterEffect">
+                                  <p:stCondLst>
+                                    <p:cond delay="0"/>
+                                  </p:stCondLst>
+                                  <p:childTnLst>
+                                    <p:set>
+                                      <p:cBhvr>
+                                        <p:cTn id="22" dur="1" fill="hold">
+                                          <p:stCondLst>
+                                            <p:cond delay="0"/>
+                                          </p:stCondLst>
+                                        </p:cTn>
+                                        <p:tgtEl>
+                                          <p:spTgt spid="4"/>
+                                        </p:tgtEl>
+                                        <p:attrNameLst>
+                                          <p:attrName>style.visibility</p:attrName>
+                                        </p:attrNameLst>
+                                      </p:cBhvr>
+                                      <p:to>
+                                        <p:strVal val="visible"/>
+                                      </p:to>
+                                    </p:set>
+                                    <p:anim calcmode="lin" valueType="num">
+                                      <p:cBhvr additive="base">
+                                        <p:cTn id="23" dur="500" fill="hold"/>
+                                        <p:tgtEl>
+                                          <p:spTgt spid="4"/>
+                                        </p:tgtEl>
+                                        <p:attrNameLst>
+                                          <p:attrName>ppt_x</p:attrName>
+                                        </p:attrNameLst>
+                                      </p:cBhvr>
+                                      <p:tavLst>
+                                        <p:tav tm="0">
+                                          <p:val>
+                                            <p:strVal val="#ppt_x"/>
+                                          </p:val>
+                                        </p:tav>
+                                        <p:tav tm="100000">
+                                          <p:val>
+                                            <p:strVal val="#ppt_x"/>
+                                          </p:val>
+                                        </p:tav>
+                                      </p:tavLst>
+                                    </p:anim>
+                                    <p:anim calcmode="lin" valueType="num">
+                                      <p:cBhvr additive="base">
+                                        <p:cTn id="24" dur="500" fill="hold"/>
+                                        <p:tgtEl>
+                                          <p:spTgt spid="4"/>
+                                        </p:tgtEl>
+                                        <p:attrNameLst>
+                                          <p:attrName>ppt_y</p:attrName>
+                                        </p:attrNameLst>
+                                      </p:cBhvr>
+                                      <p:tavLst>
+                                        <p:tav tm="0">
+                                          <p:val>
+                                            <p:strVal val="1+#ppt_h/2"/>
+                                          </p:val>
+                                        </p:tav>
+                                        <p:tav tm="100000">
+                                          <p:val>
+                                            <p:strVal val="#ppt_y"/>
+                                          </p:val>
+                                        </p:tav>
+                                      </p:tavLst>
+                                    </p:anim>
+                                  </p:childTnLst>
+                                </p:cTn>
+                              </p:par>
+                            </p:childTnLst>
+                          </p:cTn>
+                        </p:par>
                       </p:childTnLst>
                     </p:cTn>
                   </p:par>
@@ -7886,6 +8139,7 @@
     </p:tnLst>
     <p:bldLst>
       <p:bldP spid="5" grpId="0"/>
+      <p:bldP spid="4" grpId="0"/>
     </p:bldLst>
   </p:timing>
 </p:sld>
@@ -8200,6 +8454,9 @@
               </a:rPr>
               <a:t>语法</a:t>
             </a:r>
+            <a:endParaRPr kumimoji="0" lang="zh-CN" altLang="en-US" dirty="0">
+              <a:sym typeface="+mn-ea"/>
+            </a:endParaRPr>
           </a:p>
         </p:txBody>
       </p:sp>
@@ -8212,7 +8469,7 @@
         <p:spPr>
           <a:xfrm>
             <a:off x="5605145" y="6137275"/>
-            <a:ext cx="4692650" cy="429895"/>
+            <a:ext cx="5972175" cy="429895"/>
           </a:xfrm>
           <a:prstGeom prst="rect">
             <a:avLst/>
@@ -8244,7 +8501,7 @@
                 <a:latin typeface="+mn-ea"/>
                 <a:ea typeface="+mn-ea"/>
               </a:rPr>
-              <a:t>demo01 ES6</a:t>
+              <a:t>demo01 Part2 ES6</a:t>
             </a:r>
             <a:r>
               <a:rPr lang="zh-CN" altLang="en-US" sz="2200">
@@ -8276,6 +8533,13 @@
               </a:rPr>
               <a:t>语法</a:t>
             </a:r>
+            <a:endParaRPr lang="zh-CN" altLang="en-US" sz="2200">
+              <a:solidFill>
+                <a:srgbClr val="FF0000"/>
+              </a:solidFill>
+              <a:latin typeface="+mn-ea"/>
+              <a:ea typeface="+mn-ea"/>
+            </a:endParaRPr>
           </a:p>
         </p:txBody>
       </p:sp>
@@ -8288,7 +8552,7 @@
           <p:nvPr/>
         </p:nvPicPr>
         <p:blipFill>
-          <a:blip r:embed="rId3"/>
+          <a:blip r:embed="rId1"/>
           <a:stretch>
             <a:fillRect/>
           </a:stretch>
@@ -8406,6 +8670,13 @@
               </a:rPr>
               <a:t>constructor</a:t>
             </a:r>
+            <a:endParaRPr lang="en-US" altLang="zh-CN" sz="2200">
+              <a:solidFill>
+                <a:schemeClr val="accent3"/>
+              </a:solidFill>
+              <a:latin typeface="+mn-ea"/>
+              <a:ea typeface="+mn-ea"/>
+            </a:endParaRPr>
           </a:p>
           <a:p>
             <a:pPr algn="l"/>
@@ -8509,10 +8780,17 @@
               </a:rPr>
               <a:t>了？</a:t>
             </a:r>
+            <a:endParaRPr lang="zh-CN" altLang="en-US" sz="2200">
+              <a:solidFill>
+                <a:schemeClr val="tx1"/>
+              </a:solidFill>
+              <a:latin typeface="+mn-ea"/>
+              <a:ea typeface="+mn-ea"/>
+            </a:endParaRPr>
           </a:p>
           <a:p>
             <a:pPr algn="l"/>
-            <a:r>
+            <a:br>
               <a:rPr lang="zh-CN" altLang="en-US" sz="2200">
                 <a:solidFill>
                   <a:srgbClr val="FF0000"/>
@@ -8520,27 +8798,24 @@
                 <a:latin typeface="+mn-ea"/>
                 <a:ea typeface="+mn-ea"/>
               </a:rPr>
-              <a:t/>
-            </a:r>
-            <a:br>
+            </a:br>
+            <a:r>
               <a:rPr lang="zh-CN" altLang="en-US" sz="2200">
                 <a:solidFill>
-                  <a:srgbClr val="FF0000"/>
+                  <a:schemeClr val="tx1"/>
                 </a:solidFill>
                 <a:latin typeface="+mn-ea"/>
                 <a:ea typeface="+mn-ea"/>
               </a:rPr>
-            </a:br>
-            <a:r>
-              <a:rPr lang="zh-CN" altLang="en-US" sz="2200">
-                <a:solidFill>
-                  <a:schemeClr val="tx1"/>
-                </a:solidFill>
-                <a:latin typeface="+mn-ea"/>
-                <a:ea typeface="+mn-ea"/>
-              </a:rPr>
               <a:t>使用下述方法进行测试Object.getOwnPropertyNames</a:t>
             </a:r>
+            <a:endParaRPr lang="zh-CN" altLang="en-US" sz="2200">
+              <a:solidFill>
+                <a:schemeClr val="tx1"/>
+              </a:solidFill>
+              <a:latin typeface="+mn-ea"/>
+              <a:ea typeface="+mn-ea"/>
+            </a:endParaRPr>
           </a:p>
         </p:txBody>
       </p:sp>
@@ -9166,6 +9441,9 @@
               </a:rPr>
               <a:t>语法</a:t>
             </a:r>
+            <a:endParaRPr kumimoji="0" lang="zh-CN" altLang="en-US" dirty="0">
+              <a:sym typeface="+mn-ea"/>
+            </a:endParaRPr>
           </a:p>
         </p:txBody>
       </p:sp>
@@ -9222,6 +9500,13 @@
               </a:rPr>
               <a:t>与 实例化的对象</a:t>
             </a:r>
+            <a:endParaRPr lang="zh-CN" altLang="en-US" sz="2200">
+              <a:solidFill>
+                <a:srgbClr val="FF0000"/>
+              </a:solidFill>
+              <a:latin typeface="+mn-ea"/>
+              <a:ea typeface="+mn-ea"/>
+            </a:endParaRPr>
           </a:p>
         </p:txBody>
       </p:sp>
@@ -9234,7 +9519,7 @@
           <p:nvPr/>
         </p:nvPicPr>
         <p:blipFill>
-          <a:blip r:embed="rId3"/>
+          <a:blip r:embed="rId1"/>
           <a:stretch>
             <a:fillRect/>
           </a:stretch>
@@ -9258,7 +9543,7 @@
           <p:nvPr/>
         </p:nvPicPr>
         <p:blipFill>
-          <a:blip r:embed="rId4"/>
+          <a:blip r:embed="rId2"/>
           <a:stretch>
             <a:fillRect/>
           </a:stretch>
@@ -9791,6 +10076,11 @@
               </a:rPr>
               <a:t>表达式形式）</a:t>
             </a:r>
+            <a:endParaRPr kumimoji="0" lang="zh-CN" altLang="en-US" sz="3200" dirty="0" smtClean="0">
+              <a:solidFill>
+                <a:schemeClr val="tx1"/>
+              </a:solidFill>
+            </a:endParaRPr>
           </a:p>
           <a:p>
             <a:pPr>
@@ -9814,6 +10104,11 @@
               </a:rPr>
               <a:t>的立即执行表达式</a:t>
             </a:r>
+            <a:endParaRPr kumimoji="0" lang="zh-CN" altLang="en-US" sz="3200" dirty="0" smtClean="0">
+              <a:solidFill>
+                <a:schemeClr val="tx1"/>
+              </a:solidFill>
+            </a:endParaRPr>
           </a:p>
           <a:p>
             <a:pPr>
@@ -9845,6 +10140,11 @@
               </a:rPr>
               <a:t>提升（养成良好代码习惯，使用前定义）</a:t>
             </a:r>
+            <a:endParaRPr kumimoji="0" lang="zh-CN" altLang="en-US" sz="3200" dirty="0" smtClean="0">
+              <a:solidFill>
+                <a:schemeClr val="tx1"/>
+              </a:solidFill>
+            </a:endParaRPr>
           </a:p>
           <a:p>
             <a:pPr>
@@ -9858,7 +10158,7 @@
                   <a:schemeClr val="tx1"/>
                 </a:solidFill>
               </a:rPr>
-              <a:t>Class</a:t>
+              <a:t>class</a:t>
             </a:r>
             <a:r>
               <a:rPr kumimoji="0" lang="zh-CN" altLang="en-US" sz="3200" dirty="0" smtClean="0">
@@ -9900,6 +10200,11 @@
               </a:rPr>
               <a:t>属性）</a:t>
             </a:r>
+            <a:endParaRPr kumimoji="0" lang="zh-CN" altLang="en-US" sz="3200" dirty="0" smtClean="0">
+              <a:solidFill>
+                <a:schemeClr val="tx1"/>
+              </a:solidFill>
+            </a:endParaRPr>
           </a:p>
           <a:p>
             <a:pPr>
@@ -9915,6 +10220,11 @@
               </a:rPr>
               <a:t>在“类”的内部可以使用get和set关键字作为过滤</a:t>
             </a:r>
+            <a:endParaRPr kumimoji="0" lang="zh-CN" altLang="en-US" sz="3200" dirty="0" smtClean="0">
+              <a:solidFill>
+                <a:schemeClr val="tx1"/>
+              </a:solidFill>
+            </a:endParaRPr>
           </a:p>
           <a:p>
             <a:pPr>
@@ -9930,36 +10240,16 @@
               </a:rPr>
               <a:t>ES6 为new命令引入了一个new.target属性</a:t>
             </a:r>
-          </a:p>
-          <a:p>
-            <a:pPr>
-              <a:lnSpc>
-                <a:spcPct val="130000"/>
-              </a:lnSpc>
-            </a:pPr>
             <a:endParaRPr kumimoji="0" lang="zh-CN" altLang="en-US" sz="3200" dirty="0" smtClean="0">
               <a:solidFill>
                 <a:schemeClr val="tx1"/>
               </a:solidFill>
-              <a:sym typeface="+mn-ea"/>
             </a:endParaRPr>
           </a:p>
           <a:p>
-            <a:pPr eaLnBrk="1" hangingPunct="1">
+            <a:pPr>
               <a:lnSpc>
-                <a:spcPct val="150000"/>
-              </a:lnSpc>
-            </a:pPr>
-            <a:endParaRPr kumimoji="0" lang="en-US" altLang="zh-CN" sz="3600" dirty="0" smtClean="0">
-              <a:solidFill>
-                <a:schemeClr val="tx1"/>
-              </a:solidFill>
-            </a:endParaRPr>
-          </a:p>
-          <a:p>
-            <a:pPr eaLnBrk="1" hangingPunct="1">
-              <a:lnSpc>
-                <a:spcPct val="150000"/>
+                <a:spcPct val="130000"/>
               </a:lnSpc>
             </a:pPr>
             <a:endParaRPr kumimoji="0" lang="zh-CN" altLang="en-US" dirty="0" smtClean="0">
@@ -10002,6 +10292,9 @@
               </a:rPr>
               <a:t>语法补充</a:t>
             </a:r>
+            <a:endParaRPr kumimoji="0" lang="zh-CN" altLang="en-US" dirty="0">
+              <a:sym typeface="+mn-ea"/>
+            </a:endParaRPr>
           </a:p>
         </p:txBody>
       </p:sp>
@@ -10058,6 +10351,13 @@
               </a:rPr>
               <a:t>补充</a:t>
             </a:r>
+            <a:endParaRPr lang="zh-CN" altLang="en-US" sz="2200">
+              <a:solidFill>
+                <a:srgbClr val="FF0000"/>
+              </a:solidFill>
+              <a:latin typeface="+mn-ea"/>
+              <a:ea typeface="+mn-ea"/>
+            </a:endParaRPr>
           </a:p>
         </p:txBody>
       </p:sp>
@@ -10998,6 +11298,11 @@
               </a:rPr>
               <a:t>基本语法</a:t>
             </a:r>
+            <a:endParaRPr lang="zh-CN" altLang="en-US" sz="2800" b="1">
+              <a:solidFill>
+                <a:schemeClr val="tx1"/>
+              </a:solidFill>
+            </a:endParaRPr>
           </a:p>
           <a:p>
             <a:pPr algn="l">
@@ -11032,6 +11337,11 @@
               </a:rPr>
               <a:t>静态方法、静态属性</a:t>
             </a:r>
+            <a:endParaRPr lang="zh-CN" altLang="en-US" sz="2800" b="1">
+              <a:solidFill>
+                <a:schemeClr val="accent3"/>
+              </a:solidFill>
+            </a:endParaRPr>
           </a:p>
           <a:p>
             <a:pPr algn="l">
@@ -11068,6 +11378,12 @@
               </a:rPr>
               <a:t>的继承</a:t>
             </a:r>
+            <a:endParaRPr lang="zh-CN" altLang="en-US" sz="2800" b="1">
+              <a:solidFill>
+                <a:schemeClr val="tx1"/>
+              </a:solidFill>
+              <a:sym typeface="+mn-ea"/>
+            </a:endParaRPr>
           </a:p>
         </p:txBody>
       </p:sp>
@@ -11374,14 +11690,6 @@
               </a:rPr>
               <a:t>静态方法与实例方法</a:t>
             </a:r>
-            <a:r>
-              <a:rPr kumimoji="0" lang="zh-CN" altLang="en-US" sz="2000" dirty="0" smtClean="0">
-                <a:solidFill>
-                  <a:schemeClr val="tx1"/>
-                </a:solidFill>
-              </a:rPr>
-              <a:t/>
-            </a:r>
             <a:br>
               <a:rPr kumimoji="0" lang="zh-CN" altLang="en-US" sz="2000" dirty="0" smtClean="0">
                 <a:solidFill>
@@ -11522,6 +11830,12 @@
               </a:rPr>
               <a:t>指向类本身</a:t>
             </a:r>
+            <a:endParaRPr kumimoji="0" lang="zh-CN" altLang="en-US" sz="2000" dirty="0" smtClean="0">
+              <a:solidFill>
+                <a:schemeClr val="accent3"/>
+              </a:solidFill>
+              <a:sym typeface="+mn-ea"/>
+            </a:endParaRPr>
           </a:p>
           <a:p>
             <a:pPr eaLnBrk="1" hangingPunct="1">
@@ -11581,6 +11895,9 @@
               </a:rPr>
               <a:t>静态方法、静态属性</a:t>
             </a:r>
+            <a:endParaRPr kumimoji="0" lang="zh-CN" altLang="en-US" dirty="0">
+              <a:sym typeface="+mn-ea"/>
+            </a:endParaRPr>
           </a:p>
         </p:txBody>
       </p:sp>
@@ -11637,6 +11954,13 @@
               </a:rPr>
               <a:t>静态方法</a:t>
             </a:r>
+            <a:endParaRPr lang="zh-CN" altLang="en-US" sz="2200">
+              <a:solidFill>
+                <a:srgbClr val="FF0000"/>
+              </a:solidFill>
+              <a:latin typeface="+mn-ea"/>
+              <a:ea typeface="+mn-ea"/>
+            </a:endParaRPr>
           </a:p>
         </p:txBody>
       </p:sp>
@@ -11649,7 +11973,7 @@
           <p:nvPr/>
         </p:nvPicPr>
         <p:blipFill>
-          <a:blip r:embed="rId3"/>
+          <a:blip r:embed="rId1"/>
           <a:stretch>
             <a:fillRect/>
           </a:stretch>
@@ -12066,14 +12390,6 @@
               </a:rPr>
               <a:t>- 静态属性指的是 Class 本身的属性，而不是定义在实例对象上的属性</a:t>
             </a:r>
-            <a:r>
-              <a:rPr kumimoji="0" lang="zh-CN" altLang="en-US" sz="2000" dirty="0" smtClean="0">
-                <a:solidFill>
-                  <a:schemeClr val="tx1"/>
-                </a:solidFill>
-              </a:rPr>
-              <a:t/>
-            </a:r>
             <a:br>
               <a:rPr kumimoji="0" lang="zh-CN" altLang="en-US" sz="2000" dirty="0" smtClean="0">
                 <a:solidFill>
@@ -12088,14 +12404,6 @@
                 </a:solidFill>
               </a:rPr>
               <a:t>- ES6 规定Class 内部只有静态方法，没有静态属性</a:t>
-            </a:r>
-            <a:r>
-              <a:rPr kumimoji="0" lang="zh-CN" altLang="en-US" sz="2000" dirty="0" smtClean="0">
-                <a:solidFill>
-                  <a:schemeClr val="tx1"/>
-                </a:solidFill>
-              </a:rPr>
-              <a:t/>
             </a:r>
             <a:br>
               <a:rPr kumimoji="0" lang="zh-CN" altLang="en-US" sz="2000" dirty="0" smtClean="0">
@@ -12208,6 +12516,9 @@
               </a:rPr>
               <a:t>静态方法、静态属性</a:t>
             </a:r>
+            <a:endParaRPr kumimoji="0" lang="zh-CN" altLang="en-US" dirty="0">
+              <a:sym typeface="+mn-ea"/>
+            </a:endParaRPr>
           </a:p>
         </p:txBody>
       </p:sp>
@@ -12264,6 +12575,13 @@
               </a:rPr>
               <a:t>静态属性</a:t>
             </a:r>
+            <a:endParaRPr lang="zh-CN" altLang="en-US" sz="2200">
+              <a:solidFill>
+                <a:srgbClr val="FF0000"/>
+              </a:solidFill>
+              <a:latin typeface="+mn-ea"/>
+              <a:ea typeface="+mn-ea"/>
+            </a:endParaRPr>
           </a:p>
         </p:txBody>
       </p:sp>
@@ -12276,7 +12594,7 @@
           <p:nvPr/>
         </p:nvPicPr>
         <p:blipFill>
-          <a:blip r:embed="rId3"/>
+          <a:blip r:embed="rId1"/>
           <a:stretch>
             <a:fillRect/>
           </a:stretch>
@@ -12300,7 +12618,7 @@
           <p:nvPr/>
         </p:nvPicPr>
         <p:blipFill>
-          <a:blip r:embed="rId4"/>
+          <a:blip r:embed="rId2"/>
           <a:stretch>
             <a:fillRect/>
           </a:stretch>
@@ -13057,10 +13375,9 @@
       </a:lstStyle>
     </a:lnDef>
   </a:objectDefaults>
-  <a:extraClrSchemeLst/>
   <a:extLst>
     <a:ext uri="{05A4C25C-085E-4340-85A3-A5531E510DB2}">
-      <thm15:themeFamily xmlns:thm15="http://schemas.microsoft.com/office/thememl/2012/main" xmlns="" name="Office Theme" id="{62F939B6-93AF-4DB8-9C6B-D6C7DFDC589F}" vid="{4A3C46E8-61CC-4603-A589-7422A47A8E4A}"/>
+      <thm15:themeFamily xmlns:thm15="http://schemas.microsoft.com/office/thememl/2012/main" name="Office Theme" id="{62F939B6-93AF-4DB8-9C6B-D6C7DFDC589F}" vid="{4A3C46E8-61CC-4603-A589-7422A47A8E4A}"/>
     </a:ext>
   </a:extLst>
 </a:theme>
@@ -13344,11 +13661,9 @@
       </a:bgFillStyleLst>
     </a:fmtScheme>
   </a:themeElements>
-  <a:objectDefaults/>
-  <a:extraClrSchemeLst/>
   <a:extLst>
     <a:ext uri="{05A4C25C-085E-4340-85A3-A5531E510DB2}">
-      <thm15:themeFamily xmlns:thm15="http://schemas.microsoft.com/office/thememl/2012/main" xmlns="" name="Office Theme" id="{62F939B6-93AF-4DB8-9C6B-D6C7DFDC589F}" vid="{4A3C46E8-61CC-4603-A589-7422A47A8E4A}"/>
+      <thm15:themeFamily xmlns:thm15="http://schemas.microsoft.com/office/thememl/2012/main" name="Office Theme" id="{62F939B6-93AF-4DB8-9C6B-D6C7DFDC589F}" vid="{4A3C46E8-61CC-4603-A589-7422A47A8E4A}"/>
     </a:ext>
   </a:extLst>
 </a:theme>

--- a/课程PPT/32.ES6中的Class与修饰器.pptx
+++ b/课程PPT/32.ES6中的Class与修饰器.pptx
@@ -3815,6 +3815,10 @@
             <a:r>
               <a:rPr lang="en-US"/>
               <a:t>Class</a:t>
+            </a:r>
+            <a:r>
+              <a:rPr lang="zh-CN" altLang="en-US"/>
+              <a:t>综述</a:t>
             </a:r>
             <a:endParaRPr lang="zh-CN" altLang="en-US"/>
           </a:p>
